--- a/Master/No1.pptx
+++ b/Master/No1.pptx
@@ -3282,11 +3282,7 @@
           <a:p>
             <a:r>
               <a:rPr lang="ja-JP" altLang="en-US" dirty="0" smtClean="0"/>
-              <a:t>課題！！</a:t>
-            </a:r>
-            <a:r>
-              <a:rPr lang="ja-JP" altLang="en-US" dirty="0" smtClean="0"/>
-              <a:t>！</a:t>
+              <a:t>課題！！！</a:t>
             </a:r>
             <a:r>
               <a:rPr lang="en-US" altLang="ja-JP" dirty="0" smtClean="0"/>
@@ -4054,7 +4050,7 @@
         <p:spPr/>
         <p:txBody>
           <a:bodyPr>
-            <a:normAutofit lnSpcReduction="10000"/>
+            <a:normAutofit fontScale="92500" lnSpcReduction="20000"/>
           </a:bodyPr>
           <a:lstStyle/>
           <a:p>
@@ -4154,23 +4150,29 @@
             </a:r>
             <a:r>
               <a:rPr lang="ja-JP" altLang="en-US" dirty="0"/>
-              <a:t>①</a:t>
-            </a:r>
-            <a:r>
-              <a:rPr lang="ja-JP" altLang="en-US" dirty="0" smtClean="0"/>
-              <a:t>１年生同士でのみ相談可</a:t>
-            </a:r>
-            <a:endParaRPr lang="en-US" altLang="ja-JP" dirty="0" smtClean="0"/>
+              <a:t>①チーム内での相談可</a:t>
+            </a:r>
+            <a:endParaRPr lang="en-US" altLang="ja-JP" dirty="0"/>
           </a:p>
           <a:p>
             <a:pPr marL="0" indent="0">
               <a:buNone/>
             </a:pPr>
             <a:r>
-              <a:rPr lang="ja-JP" altLang="en-US" dirty="0" smtClean="0"/>
-              <a:t>　②ネットで調べるは禁止</a:t>
-            </a:r>
-            <a:endParaRPr lang="en-US" altLang="ja-JP" dirty="0" smtClean="0"/>
+              <a:rPr lang="ja-JP" altLang="en-US" dirty="0"/>
+              <a:t>　②ネットで調べるのも可</a:t>
+            </a:r>
+            <a:endParaRPr lang="en-US" altLang="ja-JP" dirty="0"/>
+          </a:p>
+          <a:p>
+            <a:pPr marL="0" indent="0">
+              <a:buNone/>
+            </a:pPr>
+            <a:r>
+              <a:rPr lang="ja-JP" altLang="en-US" dirty="0"/>
+              <a:t>　③答えを聞くのは禁止</a:t>
+            </a:r>
+            <a:endParaRPr lang="en-US" altLang="ja-JP"/>
           </a:p>
           <a:p>
             <a:pPr marL="0" indent="0">

--- a/Master/No1.pptx
+++ b/Master/No1.pptx
@@ -8,10 +8,10 @@
     <p:sldId id="256" r:id="rId2"/>
     <p:sldId id="257" r:id="rId3"/>
     <p:sldId id="258" r:id="rId4"/>
-    <p:sldId id="262" r:id="rId5"/>
-    <p:sldId id="263" r:id="rId6"/>
-    <p:sldId id="264" r:id="rId7"/>
-    <p:sldId id="265" r:id="rId8"/>
+    <p:sldId id="263" r:id="rId5"/>
+    <p:sldId id="264" r:id="rId6"/>
+    <p:sldId id="265" r:id="rId7"/>
+    <p:sldId id="262" r:id="rId8"/>
   </p:sldIdLst>
   <p:sldSz cx="12192000" cy="6858000"/>
   <p:notesSz cx="6858000" cy="9144000"/>
@@ -3296,7 +3296,7 @@
               <a:t>2016/09/21</a:t>
             </a:r>
             <a:r>
-              <a:rPr lang="ja-JP" altLang="en-US" smtClean="0"/>
+              <a:rPr lang="ja-JP" altLang="en-US" dirty="0" smtClean="0"/>
               <a:t>まで</a:t>
             </a:r>
             <a:endParaRPr kumimoji="1" lang="ja-JP" altLang="en-US" dirty="0"/>
@@ -4031,301 +4031,6 @@
             </a:r>
             <a:r>
               <a:rPr lang="en-US" altLang="ja-JP" dirty="0" smtClean="0"/>
-              <a:t>Array2.c</a:t>
-            </a:r>
-            <a:endParaRPr kumimoji="1" lang="ja-JP" altLang="en-US" dirty="0"/>
-          </a:p>
-        </p:txBody>
-      </p:sp>
-      <p:sp>
-        <p:nvSpPr>
-          <p:cNvPr id="3" name="コンテンツ プレースホルダー 2"/>
-          <p:cNvSpPr>
-            <a:spLocks noGrp="1"/>
-          </p:cNvSpPr>
-          <p:nvPr>
-            <p:ph idx="1"/>
-          </p:nvPr>
-        </p:nvSpPr>
-        <p:spPr/>
-        <p:txBody>
-          <a:bodyPr>
-            <a:normAutofit fontScale="92500" lnSpcReduction="20000"/>
-          </a:bodyPr>
-          <a:lstStyle/>
-          <a:p>
-            <a:r>
-              <a:rPr lang="ja-JP" altLang="en-US" dirty="0" smtClean="0"/>
-              <a:t> 初期値として</a:t>
-            </a:r>
-            <a:r>
-              <a:rPr lang="en-US" altLang="ja-JP" dirty="0" smtClean="0"/>
-              <a:t>1~10</a:t>
-            </a:r>
-            <a:r>
-              <a:rPr lang="ja-JP" altLang="en-US" dirty="0" err="1" smtClean="0"/>
-              <a:t>までの整</a:t>
-            </a:r>
-            <a:r>
-              <a:rPr lang="ja-JP" altLang="en-US" dirty="0" smtClean="0"/>
-              <a:t>数値を入れた配列を用意し</a:t>
-            </a:r>
-            <a:endParaRPr lang="en-US" altLang="ja-JP" dirty="0" smtClean="0"/>
-          </a:p>
-          <a:p>
-            <a:pPr marL="0" indent="0">
-              <a:buNone/>
-            </a:pPr>
-            <a:r>
-              <a:rPr lang="ja-JP" altLang="en-US" dirty="0"/>
-              <a:t>　</a:t>
-            </a:r>
-            <a:r>
-              <a:rPr lang="ja-JP" altLang="en-US" dirty="0" smtClean="0"/>
-              <a:t>その値をループ構文</a:t>
-            </a:r>
-            <a:r>
-              <a:rPr lang="en-US" altLang="ja-JP" dirty="0" smtClean="0"/>
-              <a:t>(</a:t>
-            </a:r>
-            <a:r>
-              <a:rPr lang="en-US" altLang="ja-JP" dirty="0" err="1" smtClean="0"/>
-              <a:t>for,do-while,while</a:t>
-            </a:r>
-            <a:r>
-              <a:rPr lang="en-US" altLang="ja-JP" dirty="0" smtClean="0"/>
-              <a:t>)</a:t>
-            </a:r>
-          </a:p>
-          <a:p>
-            <a:pPr marL="0" indent="0">
-              <a:buNone/>
-            </a:pPr>
-            <a:r>
-              <a:rPr lang="ja-JP" altLang="en-US" dirty="0"/>
-              <a:t>　</a:t>
-            </a:r>
-            <a:r>
-              <a:rPr lang="ja-JP" altLang="en-US" dirty="0" smtClean="0"/>
-              <a:t>を一切使用せずループを実現し表示しなさい。</a:t>
-            </a:r>
-            <a:endParaRPr lang="en-US" altLang="ja-JP" dirty="0" smtClean="0"/>
-          </a:p>
-          <a:p>
-            <a:pPr marL="0" indent="0">
-              <a:buNone/>
-            </a:pPr>
-            <a:r>
-              <a:rPr lang="ja-JP" altLang="en-US" dirty="0"/>
-              <a:t>　</a:t>
-            </a:r>
-            <a:endParaRPr kumimoji="1" lang="en-US" altLang="ja-JP" dirty="0"/>
-          </a:p>
-          <a:p>
-            <a:pPr marL="0" indent="0">
-              <a:buNone/>
-            </a:pPr>
-            <a:endParaRPr lang="en-US" altLang="ja-JP" dirty="0" smtClean="0"/>
-          </a:p>
-          <a:p>
-            <a:pPr marL="0" indent="0">
-              <a:buNone/>
-            </a:pPr>
-            <a:endParaRPr lang="en-US" altLang="ja-JP" dirty="0" smtClean="0"/>
-          </a:p>
-          <a:p>
-            <a:r>
-              <a:rPr lang="ja-JP" altLang="en-US" dirty="0"/>
-              <a:t>ルール</a:t>
-            </a:r>
-            <a:endParaRPr lang="en-US" altLang="ja-JP" dirty="0"/>
-          </a:p>
-          <a:p>
-            <a:pPr marL="0" indent="0">
-              <a:buNone/>
-            </a:pPr>
-            <a:r>
-              <a:rPr lang="ja-JP" altLang="en-US" dirty="0" smtClean="0"/>
-              <a:t>　</a:t>
-            </a:r>
-            <a:r>
-              <a:rPr lang="ja-JP" altLang="en-US" dirty="0"/>
-              <a:t>①チーム内での相談可</a:t>
-            </a:r>
-            <a:endParaRPr lang="en-US" altLang="ja-JP" dirty="0"/>
-          </a:p>
-          <a:p>
-            <a:pPr marL="0" indent="0">
-              <a:buNone/>
-            </a:pPr>
-            <a:r>
-              <a:rPr lang="ja-JP" altLang="en-US" dirty="0"/>
-              <a:t>　②ネットで調べるのも可</a:t>
-            </a:r>
-            <a:endParaRPr lang="en-US" altLang="ja-JP" dirty="0"/>
-          </a:p>
-          <a:p>
-            <a:pPr marL="0" indent="0">
-              <a:buNone/>
-            </a:pPr>
-            <a:r>
-              <a:rPr lang="ja-JP" altLang="en-US" dirty="0"/>
-              <a:t>　③答えを聞くのは禁止</a:t>
-            </a:r>
-            <a:endParaRPr lang="en-US" altLang="ja-JP"/>
-          </a:p>
-          <a:p>
-            <a:pPr marL="0" indent="0">
-              <a:buNone/>
-            </a:pPr>
-            <a:endParaRPr kumimoji="1" lang="ja-JP" altLang="en-US" dirty="0"/>
-          </a:p>
-        </p:txBody>
-      </p:sp>
-      <p:pic>
-        <p:nvPicPr>
-          <p:cNvPr id="4" name="図 3"/>
-          <p:cNvPicPr>
-            <a:picLocks noChangeAspect="1"/>
-          </p:cNvPicPr>
-          <p:nvPr/>
-        </p:nvPicPr>
-        <p:blipFill>
-          <a:blip r:embed="rId2">
-            <a:extLst>
-              <a:ext uri="{28A0092B-C50C-407E-A947-70E740481C1C}">
-                <a14:useLocalDpi xmlns:a14="http://schemas.microsoft.com/office/drawing/2010/main" val="0"/>
-              </a:ext>
-            </a:extLst>
-          </a:blip>
-          <a:stretch>
-            <a:fillRect/>
-          </a:stretch>
-        </p:blipFill>
-        <p:spPr>
-          <a:xfrm>
-            <a:off x="6671153" y="3720284"/>
-            <a:ext cx="4076853" cy="1719257"/>
-          </a:xfrm>
-          <a:prstGeom prst="rect">
-            <a:avLst/>
-          </a:prstGeom>
-        </p:spPr>
-      </p:pic>
-      <p:sp>
-        <p:nvSpPr>
-          <p:cNvPr id="5" name="テキスト ボックス 4"/>
-          <p:cNvSpPr txBox="1"/>
-          <p:nvPr/>
-        </p:nvSpPr>
-        <p:spPr>
-          <a:xfrm>
-            <a:off x="6671153" y="3350952"/>
-            <a:ext cx="1338828" cy="369332"/>
-          </a:xfrm>
-          <a:prstGeom prst="rect">
-            <a:avLst/>
-          </a:prstGeom>
-          <a:noFill/>
-        </p:spPr>
-        <p:txBody>
-          <a:bodyPr wrap="none" rtlCol="0">
-            <a:spAutoFit/>
-          </a:bodyPr>
-          <a:lstStyle/>
-          <a:p>
-            <a:r>
-              <a:rPr kumimoji="1" lang="en-US" altLang="ja-JP" dirty="0" smtClean="0"/>
-              <a:t>※</a:t>
-            </a:r>
-            <a:r>
-              <a:rPr kumimoji="1" lang="ja-JP" altLang="en-US" dirty="0" smtClean="0"/>
-              <a:t>実行画面</a:t>
-            </a:r>
-            <a:endParaRPr kumimoji="1" lang="ja-JP" altLang="en-US" dirty="0"/>
-          </a:p>
-        </p:txBody>
-      </p:sp>
-    </p:spTree>
-    <p:extLst>
-      <p:ext uri="{BB962C8B-B14F-4D97-AF65-F5344CB8AC3E}">
-        <p14:creationId xmlns:p14="http://schemas.microsoft.com/office/powerpoint/2010/main" val="3289692815"/>
-      </p:ext>
-    </p:extLst>
-  </p:cSld>
-  <p:clrMapOvr>
-    <a:masterClrMapping/>
-  </p:clrMapOvr>
-</p:sld>
-</file>
-
-<file path=ppt/slides/slide5.xml><?xml version="1.0" encoding="utf-8"?>
-<p:sld xmlns:a="http://schemas.openxmlformats.org/drawingml/2006/main" xmlns:r="http://schemas.openxmlformats.org/officeDocument/2006/relationships" xmlns:p="http://schemas.openxmlformats.org/presentationml/2006/main">
-  <p:cSld>
-    <p:spTree>
-      <p:nvGrpSpPr>
-        <p:cNvPr id="1" name=""/>
-        <p:cNvGrpSpPr/>
-        <p:nvPr/>
-      </p:nvGrpSpPr>
-      <p:grpSpPr>
-        <a:xfrm>
-          <a:off x="0" y="0"/>
-          <a:ext cx="0" cy="0"/>
-          <a:chOff x="0" y="0"/>
-          <a:chExt cx="0" cy="0"/>
-        </a:xfrm>
-      </p:grpSpPr>
-      <p:sp>
-        <p:nvSpPr>
-          <p:cNvPr id="2" name="タイトル 1"/>
-          <p:cNvSpPr>
-            <a:spLocks noGrp="1"/>
-          </p:cNvSpPr>
-          <p:nvPr>
-            <p:ph type="title"/>
-          </p:nvPr>
-        </p:nvSpPr>
-        <p:spPr/>
-        <p:txBody>
-          <a:bodyPr>
-            <a:normAutofit/>
-          </a:bodyPr>
-          <a:lstStyle/>
-          <a:p>
-            <a:r>
-              <a:rPr lang="ja-JP" altLang="en-US" dirty="0" smtClean="0"/>
-              <a:t>　</a:t>
-            </a:r>
-            <a:r>
-              <a:rPr lang="en-US" altLang="ja-JP" dirty="0" smtClean="0"/>
-              <a:t>C</a:t>
-            </a:r>
-            <a:r>
-              <a:rPr lang="ja-JP" altLang="en-US" dirty="0"/>
-              <a:t>言語　</a:t>
-            </a:r>
-            <a:r>
-              <a:rPr lang="ja-JP" altLang="en-US" dirty="0" smtClean="0"/>
-              <a:t>★☆☆</a:t>
-            </a:r>
-            <a:r>
-              <a:rPr lang="en-US" altLang="ja-JP" dirty="0" smtClean="0"/>
-              <a:t/>
-            </a:r>
-            <a:br>
-              <a:rPr lang="en-US" altLang="ja-JP" dirty="0" smtClean="0"/>
-            </a:br>
-            <a:r>
-              <a:rPr lang="ja-JP" altLang="en-US" dirty="0"/>
-              <a:t>　ファイル名</a:t>
-            </a:r>
-            <a:r>
-              <a:rPr lang="ja-JP" altLang="en-US" dirty="0" smtClean="0"/>
-              <a:t>：</a:t>
-            </a:r>
-            <a:r>
-              <a:rPr lang="en-US" altLang="ja-JP" dirty="0" smtClean="0"/>
               <a:t>Function1.c</a:t>
             </a:r>
             <a:endParaRPr kumimoji="1" lang="ja-JP" altLang="en-US" dirty="0"/>
@@ -4563,6 +4268,256 @@
 </p:sld>
 </file>
 
+<file path=ppt/slides/slide5.xml><?xml version="1.0" encoding="utf-8"?>
+<p:sld xmlns:a="http://schemas.openxmlformats.org/drawingml/2006/main" xmlns:r="http://schemas.openxmlformats.org/officeDocument/2006/relationships" xmlns:p="http://schemas.openxmlformats.org/presentationml/2006/main">
+  <p:cSld>
+    <p:spTree>
+      <p:nvGrpSpPr>
+        <p:cNvPr id="1" name=""/>
+        <p:cNvGrpSpPr/>
+        <p:nvPr/>
+      </p:nvGrpSpPr>
+      <p:grpSpPr>
+        <a:xfrm>
+          <a:off x="0" y="0"/>
+          <a:ext cx="0" cy="0"/>
+          <a:chOff x="0" y="0"/>
+          <a:chExt cx="0" cy="0"/>
+        </a:xfrm>
+      </p:grpSpPr>
+      <p:sp>
+        <p:nvSpPr>
+          <p:cNvPr id="2" name="タイトル 1"/>
+          <p:cNvSpPr>
+            <a:spLocks noGrp="1"/>
+          </p:cNvSpPr>
+          <p:nvPr>
+            <p:ph type="title"/>
+          </p:nvPr>
+        </p:nvSpPr>
+        <p:spPr/>
+        <p:txBody>
+          <a:bodyPr/>
+          <a:lstStyle/>
+          <a:p>
+            <a:r>
+              <a:rPr lang="ja-JP" altLang="en-US" dirty="0" smtClean="0"/>
+              <a:t>　</a:t>
+            </a:r>
+            <a:r>
+              <a:rPr lang="en-US" altLang="ja-JP" dirty="0" smtClean="0"/>
+              <a:t>C</a:t>
+            </a:r>
+            <a:r>
+              <a:rPr lang="ja-JP" altLang="en-US" dirty="0"/>
+              <a:t>言語　</a:t>
+            </a:r>
+            <a:r>
+              <a:rPr lang="ja-JP" altLang="en-US" dirty="0" smtClean="0"/>
+              <a:t>★☆☆</a:t>
+            </a:r>
+            <a:r>
+              <a:rPr lang="en-US" altLang="ja-JP" dirty="0" smtClean="0"/>
+              <a:t/>
+            </a:r>
+            <a:br>
+              <a:rPr lang="en-US" altLang="ja-JP" dirty="0" smtClean="0"/>
+            </a:br>
+            <a:r>
+              <a:rPr lang="ja-JP" altLang="en-US" dirty="0"/>
+              <a:t>　ファイル名</a:t>
+            </a:r>
+            <a:r>
+              <a:rPr lang="ja-JP" altLang="en-US" dirty="0" smtClean="0"/>
+              <a:t>：</a:t>
+            </a:r>
+            <a:r>
+              <a:rPr lang="en-US" altLang="ja-JP" dirty="0" smtClean="0"/>
+              <a:t>Chara1.c</a:t>
+            </a:r>
+            <a:endParaRPr kumimoji="1" lang="ja-JP" altLang="en-US" dirty="0"/>
+          </a:p>
+        </p:txBody>
+      </p:sp>
+      <p:sp>
+        <p:nvSpPr>
+          <p:cNvPr id="3" name="コンテンツ プレースホルダー 2"/>
+          <p:cNvSpPr>
+            <a:spLocks noGrp="1"/>
+          </p:cNvSpPr>
+          <p:nvPr>
+            <p:ph idx="1"/>
+          </p:nvPr>
+        </p:nvSpPr>
+        <p:spPr/>
+        <p:txBody>
+          <a:bodyPr>
+            <a:normAutofit fontScale="92500" lnSpcReduction="10000"/>
+          </a:bodyPr>
+          <a:lstStyle/>
+          <a:p>
+            <a:r>
+              <a:rPr lang="ja-JP" altLang="en-US" dirty="0" smtClean="0"/>
+              <a:t>構造体を作成しなさい。要件は以下のものとする。</a:t>
+            </a:r>
+            <a:endParaRPr lang="en-US" altLang="ja-JP" dirty="0" smtClean="0"/>
+          </a:p>
+          <a:p>
+            <a:pPr marL="0" indent="0">
+              <a:buNone/>
+            </a:pPr>
+            <a:r>
+              <a:rPr lang="ja-JP" altLang="en-US" dirty="0"/>
+              <a:t> </a:t>
+            </a:r>
+            <a:r>
+              <a:rPr lang="ja-JP" altLang="en-US" dirty="0" smtClean="0"/>
+              <a:t>  　</a:t>
+            </a:r>
+            <a:r>
+              <a:rPr lang="ja-JP" altLang="en-US" sz="2400" dirty="0" smtClean="0"/>
+              <a:t>①ライフを表す</a:t>
+            </a:r>
+            <a:r>
+              <a:rPr lang="en-US" altLang="ja-JP" sz="2400" dirty="0" smtClean="0"/>
+              <a:t>float</a:t>
+            </a:r>
+            <a:r>
+              <a:rPr lang="ja-JP" altLang="en-US" sz="2400" dirty="0" smtClean="0"/>
+              <a:t>型の変数</a:t>
+            </a:r>
+            <a:endParaRPr lang="en-US" altLang="ja-JP" sz="2400" dirty="0" smtClean="0"/>
+          </a:p>
+          <a:p>
+            <a:pPr marL="0" indent="0">
+              <a:buNone/>
+            </a:pPr>
+            <a:r>
+              <a:rPr lang="ja-JP" altLang="en-US" sz="2400" dirty="0"/>
+              <a:t>　</a:t>
+            </a:r>
+            <a:r>
+              <a:rPr lang="ja-JP" altLang="en-US" sz="2400" dirty="0" smtClean="0"/>
+              <a:t>　 ②攻撃力を表す</a:t>
+            </a:r>
+            <a:r>
+              <a:rPr lang="en-US" altLang="ja-JP" sz="2400" dirty="0" smtClean="0"/>
+              <a:t>float</a:t>
+            </a:r>
+            <a:r>
+              <a:rPr lang="ja-JP" altLang="en-US" sz="2400" dirty="0" smtClean="0"/>
+              <a:t>型の変数</a:t>
+            </a:r>
+            <a:endParaRPr lang="en-US" altLang="ja-JP" sz="2400" dirty="0" smtClean="0"/>
+          </a:p>
+          <a:p>
+            <a:pPr marL="0" indent="0">
+              <a:buNone/>
+            </a:pPr>
+            <a:r>
+              <a:rPr kumimoji="1" lang="ja-JP" altLang="en-US" sz="2400" dirty="0"/>
+              <a:t>　</a:t>
+            </a:r>
+            <a:r>
+              <a:rPr kumimoji="1" lang="ja-JP" altLang="en-US" sz="2400" dirty="0" smtClean="0"/>
+              <a:t>　 ③防御力を表す</a:t>
+            </a:r>
+            <a:r>
+              <a:rPr kumimoji="1" lang="en-US" altLang="ja-JP" sz="2400" dirty="0" smtClean="0"/>
+              <a:t>float</a:t>
+            </a:r>
+            <a:r>
+              <a:rPr kumimoji="1" lang="ja-JP" altLang="en-US" sz="2400" dirty="0" smtClean="0"/>
+              <a:t>型の変数</a:t>
+            </a:r>
+            <a:endParaRPr lang="en-US" altLang="ja-JP" sz="2400" dirty="0"/>
+          </a:p>
+          <a:p>
+            <a:pPr marL="0" indent="0">
+              <a:buNone/>
+            </a:pPr>
+            <a:r>
+              <a:rPr kumimoji="1" lang="ja-JP" altLang="en-US" sz="2400" dirty="0" smtClean="0"/>
+              <a:t>　</a:t>
+            </a:r>
+            <a:r>
+              <a:rPr lang="en-US" altLang="ja-JP" sz="3000" dirty="0" smtClean="0"/>
+              <a:t>main</a:t>
+            </a:r>
+            <a:r>
+              <a:rPr lang="ja-JP" altLang="en-US" sz="3000" dirty="0" smtClean="0"/>
+              <a:t>関数側で構造体オブジェクトを作成する。</a:t>
+            </a:r>
+            <a:endParaRPr kumimoji="1" lang="en-US" altLang="ja-JP" sz="2400" dirty="0"/>
+          </a:p>
+          <a:p>
+            <a:pPr marL="0" indent="0">
+              <a:buNone/>
+            </a:pPr>
+            <a:r>
+              <a:rPr lang="ja-JP" altLang="en-US" sz="2400" dirty="0" smtClean="0"/>
+              <a:t>　</a:t>
+            </a:r>
+            <a:r>
+              <a:rPr lang="ja-JP" altLang="en-US" dirty="0" smtClean="0"/>
+              <a:t>この課題は実行画面がなくてもよいものとする。</a:t>
+            </a:r>
+            <a:endParaRPr lang="en-US" altLang="ja-JP" sz="2400" dirty="0" smtClean="0"/>
+          </a:p>
+          <a:p>
+            <a:pPr marL="0" indent="0">
+              <a:buNone/>
+            </a:pPr>
+            <a:endParaRPr lang="en-US" altLang="ja-JP" dirty="0" smtClean="0"/>
+          </a:p>
+          <a:p>
+            <a:r>
+              <a:rPr lang="ja-JP" altLang="en-US" dirty="0"/>
+              <a:t>ルール</a:t>
+            </a:r>
+            <a:endParaRPr lang="en-US" altLang="ja-JP" dirty="0"/>
+          </a:p>
+          <a:p>
+            <a:pPr marL="0" indent="0">
+              <a:buNone/>
+            </a:pPr>
+            <a:r>
+              <a:rPr lang="ja-JP" altLang="en-US" dirty="0" smtClean="0"/>
+              <a:t>　①１年生同士でのみ相談可</a:t>
+            </a:r>
+            <a:endParaRPr lang="en-US" altLang="ja-JP" dirty="0" smtClean="0"/>
+          </a:p>
+          <a:p>
+            <a:pPr marL="0" indent="0">
+              <a:buNone/>
+            </a:pPr>
+            <a:r>
+              <a:rPr lang="ja-JP" altLang="en-US" dirty="0" smtClean="0"/>
+              <a:t>　②ネットで調べるのも可</a:t>
+            </a:r>
+            <a:endParaRPr lang="en-US" altLang="ja-JP" dirty="0" smtClean="0"/>
+          </a:p>
+          <a:p>
+            <a:pPr marL="0" indent="0">
+              <a:buNone/>
+            </a:pPr>
+            <a:endParaRPr kumimoji="1" lang="ja-JP" altLang="en-US" dirty="0"/>
+          </a:p>
+        </p:txBody>
+      </p:sp>
+    </p:spTree>
+    <p:extLst>
+      <p:ext uri="{BB962C8B-B14F-4D97-AF65-F5344CB8AC3E}">
+        <p14:creationId xmlns:p14="http://schemas.microsoft.com/office/powerpoint/2010/main" val="924505218"/>
+      </p:ext>
+    </p:extLst>
+  </p:cSld>
+  <p:clrMapOvr>
+    <a:masterClrMapping/>
+  </p:clrMapOvr>
+</p:sld>
+</file>
+
 <file path=ppt/slides/slide6.xml><?xml version="1.0" encoding="utf-8"?>
 <p:sld xmlns:a="http://schemas.openxmlformats.org/drawingml/2006/main" xmlns:r="http://schemas.openxmlformats.org/officeDocument/2006/relationships" xmlns:p="http://schemas.openxmlformats.org/presentationml/2006/main">
   <p:cSld>
@@ -4592,7 +4547,9 @@
         </p:nvSpPr>
         <p:spPr/>
         <p:txBody>
-          <a:bodyPr/>
+          <a:bodyPr>
+            <a:normAutofit/>
+          </a:bodyPr>
           <a:lstStyle/>
           <a:p>
             <a:r>
@@ -4609,7 +4566,15 @@
             </a:r>
             <a:r>
               <a:rPr lang="ja-JP" altLang="en-US" dirty="0" smtClean="0"/>
-              <a:t>★☆☆</a:t>
+              <a:t>★</a:t>
+            </a:r>
+            <a:r>
+              <a:rPr lang="ja-JP" altLang="en-US" dirty="0"/>
+              <a:t>★</a:t>
+            </a:r>
+            <a:r>
+              <a:rPr lang="ja-JP" altLang="en-US" dirty="0" smtClean="0"/>
+              <a:t>☆</a:t>
             </a:r>
             <a:r>
               <a:rPr lang="en-US" altLang="ja-JP" dirty="0" smtClean="0"/>
@@ -4628,258 +4593,6 @@
             </a:r>
             <a:r>
               <a:rPr lang="en-US" altLang="ja-JP" dirty="0" smtClean="0"/>
-              <a:t>Chara1.c</a:t>
-            </a:r>
-            <a:endParaRPr kumimoji="1" lang="ja-JP" altLang="en-US" dirty="0"/>
-          </a:p>
-        </p:txBody>
-      </p:sp>
-      <p:sp>
-        <p:nvSpPr>
-          <p:cNvPr id="3" name="コンテンツ プレースホルダー 2"/>
-          <p:cNvSpPr>
-            <a:spLocks noGrp="1"/>
-          </p:cNvSpPr>
-          <p:nvPr>
-            <p:ph idx="1"/>
-          </p:nvPr>
-        </p:nvSpPr>
-        <p:spPr/>
-        <p:txBody>
-          <a:bodyPr>
-            <a:normAutofit fontScale="92500" lnSpcReduction="10000"/>
-          </a:bodyPr>
-          <a:lstStyle/>
-          <a:p>
-            <a:r>
-              <a:rPr lang="ja-JP" altLang="en-US" dirty="0" smtClean="0"/>
-              <a:t>構造体を作成しなさい。要件は以下のものとする。</a:t>
-            </a:r>
-            <a:endParaRPr lang="en-US" altLang="ja-JP" dirty="0" smtClean="0"/>
-          </a:p>
-          <a:p>
-            <a:pPr marL="0" indent="0">
-              <a:buNone/>
-            </a:pPr>
-            <a:r>
-              <a:rPr lang="ja-JP" altLang="en-US" dirty="0"/>
-              <a:t> </a:t>
-            </a:r>
-            <a:r>
-              <a:rPr lang="ja-JP" altLang="en-US" dirty="0" smtClean="0"/>
-              <a:t>  　</a:t>
-            </a:r>
-            <a:r>
-              <a:rPr lang="ja-JP" altLang="en-US" sz="2400" dirty="0" smtClean="0"/>
-              <a:t>①ライフを表す</a:t>
-            </a:r>
-            <a:r>
-              <a:rPr lang="en-US" altLang="ja-JP" sz="2400" dirty="0" smtClean="0"/>
-              <a:t>float</a:t>
-            </a:r>
-            <a:r>
-              <a:rPr lang="ja-JP" altLang="en-US" sz="2400" dirty="0" smtClean="0"/>
-              <a:t>型の変数</a:t>
-            </a:r>
-            <a:endParaRPr lang="en-US" altLang="ja-JP" sz="2400" dirty="0" smtClean="0"/>
-          </a:p>
-          <a:p>
-            <a:pPr marL="0" indent="0">
-              <a:buNone/>
-            </a:pPr>
-            <a:r>
-              <a:rPr lang="ja-JP" altLang="en-US" sz="2400" dirty="0"/>
-              <a:t>　</a:t>
-            </a:r>
-            <a:r>
-              <a:rPr lang="ja-JP" altLang="en-US" sz="2400" dirty="0" smtClean="0"/>
-              <a:t>　 ②攻撃力を表す</a:t>
-            </a:r>
-            <a:r>
-              <a:rPr lang="en-US" altLang="ja-JP" sz="2400" dirty="0" smtClean="0"/>
-              <a:t>float</a:t>
-            </a:r>
-            <a:r>
-              <a:rPr lang="ja-JP" altLang="en-US" sz="2400" dirty="0" smtClean="0"/>
-              <a:t>型の変数</a:t>
-            </a:r>
-            <a:endParaRPr lang="en-US" altLang="ja-JP" sz="2400" dirty="0" smtClean="0"/>
-          </a:p>
-          <a:p>
-            <a:pPr marL="0" indent="0">
-              <a:buNone/>
-            </a:pPr>
-            <a:r>
-              <a:rPr kumimoji="1" lang="ja-JP" altLang="en-US" sz="2400" dirty="0"/>
-              <a:t>　</a:t>
-            </a:r>
-            <a:r>
-              <a:rPr kumimoji="1" lang="ja-JP" altLang="en-US" sz="2400" dirty="0" smtClean="0"/>
-              <a:t>　 ③防御力を表す</a:t>
-            </a:r>
-            <a:r>
-              <a:rPr kumimoji="1" lang="en-US" altLang="ja-JP" sz="2400" dirty="0" smtClean="0"/>
-              <a:t>float</a:t>
-            </a:r>
-            <a:r>
-              <a:rPr kumimoji="1" lang="ja-JP" altLang="en-US" sz="2400" dirty="0" smtClean="0"/>
-              <a:t>型の変数</a:t>
-            </a:r>
-            <a:endParaRPr lang="en-US" altLang="ja-JP" sz="2400" dirty="0"/>
-          </a:p>
-          <a:p>
-            <a:pPr marL="0" indent="0">
-              <a:buNone/>
-            </a:pPr>
-            <a:r>
-              <a:rPr kumimoji="1" lang="ja-JP" altLang="en-US" sz="2400" dirty="0" smtClean="0"/>
-              <a:t>　</a:t>
-            </a:r>
-            <a:r>
-              <a:rPr lang="en-US" altLang="ja-JP" sz="3000" dirty="0" smtClean="0"/>
-              <a:t>main</a:t>
-            </a:r>
-            <a:r>
-              <a:rPr lang="ja-JP" altLang="en-US" sz="3000" dirty="0" smtClean="0"/>
-              <a:t>関数内で構造体オブジェクトを作成する。</a:t>
-            </a:r>
-            <a:endParaRPr kumimoji="1" lang="en-US" altLang="ja-JP" sz="2400" dirty="0"/>
-          </a:p>
-          <a:p>
-            <a:pPr marL="0" indent="0">
-              <a:buNone/>
-            </a:pPr>
-            <a:r>
-              <a:rPr lang="ja-JP" altLang="en-US" sz="2400" dirty="0" smtClean="0"/>
-              <a:t>　</a:t>
-            </a:r>
-            <a:r>
-              <a:rPr lang="ja-JP" altLang="en-US" dirty="0" smtClean="0"/>
-              <a:t>この課題は実行画面がなくてもよいものとする。</a:t>
-            </a:r>
-            <a:endParaRPr lang="en-US" altLang="ja-JP" sz="2400" dirty="0" smtClean="0"/>
-          </a:p>
-          <a:p>
-            <a:pPr marL="0" indent="0">
-              <a:buNone/>
-            </a:pPr>
-            <a:endParaRPr lang="en-US" altLang="ja-JP" dirty="0" smtClean="0"/>
-          </a:p>
-          <a:p>
-            <a:r>
-              <a:rPr lang="ja-JP" altLang="en-US" dirty="0"/>
-              <a:t>ルール</a:t>
-            </a:r>
-            <a:endParaRPr lang="en-US" altLang="ja-JP" dirty="0"/>
-          </a:p>
-          <a:p>
-            <a:pPr marL="0" indent="0">
-              <a:buNone/>
-            </a:pPr>
-            <a:r>
-              <a:rPr lang="ja-JP" altLang="en-US" dirty="0" smtClean="0"/>
-              <a:t>　①１年生同士でのみ相談可</a:t>
-            </a:r>
-            <a:endParaRPr lang="en-US" altLang="ja-JP" dirty="0" smtClean="0"/>
-          </a:p>
-          <a:p>
-            <a:pPr marL="0" indent="0">
-              <a:buNone/>
-            </a:pPr>
-            <a:r>
-              <a:rPr lang="ja-JP" altLang="en-US" dirty="0" smtClean="0"/>
-              <a:t>　②ネットで調べるのも可</a:t>
-            </a:r>
-            <a:endParaRPr lang="en-US" altLang="ja-JP" dirty="0" smtClean="0"/>
-          </a:p>
-          <a:p>
-            <a:pPr marL="0" indent="0">
-              <a:buNone/>
-            </a:pPr>
-            <a:endParaRPr kumimoji="1" lang="ja-JP" altLang="en-US" dirty="0"/>
-          </a:p>
-        </p:txBody>
-      </p:sp>
-    </p:spTree>
-    <p:extLst>
-      <p:ext uri="{BB962C8B-B14F-4D97-AF65-F5344CB8AC3E}">
-        <p14:creationId xmlns:p14="http://schemas.microsoft.com/office/powerpoint/2010/main" val="924505218"/>
-      </p:ext>
-    </p:extLst>
-  </p:cSld>
-  <p:clrMapOvr>
-    <a:masterClrMapping/>
-  </p:clrMapOvr>
-</p:sld>
-</file>
-
-<file path=ppt/slides/slide7.xml><?xml version="1.0" encoding="utf-8"?>
-<p:sld xmlns:a="http://schemas.openxmlformats.org/drawingml/2006/main" xmlns:r="http://schemas.openxmlformats.org/officeDocument/2006/relationships" xmlns:p="http://schemas.openxmlformats.org/presentationml/2006/main">
-  <p:cSld>
-    <p:spTree>
-      <p:nvGrpSpPr>
-        <p:cNvPr id="1" name=""/>
-        <p:cNvGrpSpPr/>
-        <p:nvPr/>
-      </p:nvGrpSpPr>
-      <p:grpSpPr>
-        <a:xfrm>
-          <a:off x="0" y="0"/>
-          <a:ext cx="0" cy="0"/>
-          <a:chOff x="0" y="0"/>
-          <a:chExt cx="0" cy="0"/>
-        </a:xfrm>
-      </p:grpSpPr>
-      <p:sp>
-        <p:nvSpPr>
-          <p:cNvPr id="2" name="タイトル 1"/>
-          <p:cNvSpPr>
-            <a:spLocks noGrp="1"/>
-          </p:cNvSpPr>
-          <p:nvPr>
-            <p:ph type="title"/>
-          </p:nvPr>
-        </p:nvSpPr>
-        <p:spPr/>
-        <p:txBody>
-          <a:bodyPr>
-            <a:normAutofit/>
-          </a:bodyPr>
-          <a:lstStyle/>
-          <a:p>
-            <a:r>
-              <a:rPr lang="ja-JP" altLang="en-US" dirty="0" smtClean="0"/>
-              <a:t>　</a:t>
-            </a:r>
-            <a:r>
-              <a:rPr lang="en-US" altLang="ja-JP" dirty="0" smtClean="0"/>
-              <a:t>C</a:t>
-            </a:r>
-            <a:r>
-              <a:rPr lang="ja-JP" altLang="en-US" dirty="0"/>
-              <a:t>言語　</a:t>
-            </a:r>
-            <a:r>
-              <a:rPr lang="ja-JP" altLang="en-US" dirty="0" smtClean="0"/>
-              <a:t>★☆☆</a:t>
-            </a:r>
-            <a:r>
-              <a:rPr lang="en-US" altLang="ja-JP" dirty="0" smtClean="0"/>
-              <a:t/>
-            </a:r>
-            <a:br>
-              <a:rPr lang="en-US" altLang="ja-JP" dirty="0" smtClean="0"/>
-            </a:br>
-            <a:r>
-              <a:rPr lang="ja-JP" altLang="en-US" dirty="0"/>
-              <a:t>　ファイル名</a:t>
-            </a:r>
-            <a:r>
-              <a:rPr lang="ja-JP" altLang="en-US" dirty="0" smtClean="0"/>
-              <a:t>：</a:t>
-            </a:r>
-            <a:r>
-              <a:rPr lang="en-US" altLang="ja-JP" dirty="0" smtClean="0"/>
               <a:t>Chara2.c</a:t>
             </a:r>
             <a:endParaRPr kumimoji="1" lang="ja-JP" altLang="en-US" dirty="0"/>
@@ -5026,8 +4739,19 @@
             </a:pPr>
             <a:r>
               <a:rPr lang="ja-JP" altLang="en-US" dirty="0"/>
-              <a:t>　④グローバル変数禁止</a:t>
-            </a:r>
+              <a:t>　④グローバル</a:t>
+            </a:r>
+            <a:r>
+              <a:rPr lang="ja-JP" altLang="en-US" dirty="0" smtClean="0"/>
+              <a:t>変数禁止</a:t>
+            </a:r>
+            <a:endParaRPr lang="en-US" altLang="ja-JP" dirty="0" smtClean="0"/>
+          </a:p>
+          <a:p>
+            <a:pPr marL="0" indent="0">
+              <a:buNone/>
+            </a:pPr>
+            <a:endParaRPr lang="ja-JP" altLang="en-US" dirty="0"/>
           </a:p>
           <a:p>
             <a:pPr marL="0" indent="0">
@@ -5111,6 +4835,327 @@
     <p:extLst>
       <p:ext uri="{BB962C8B-B14F-4D97-AF65-F5344CB8AC3E}">
         <p14:creationId xmlns:p14="http://schemas.microsoft.com/office/powerpoint/2010/main" val="1409099545"/>
+      </p:ext>
+    </p:extLst>
+  </p:cSld>
+  <p:clrMapOvr>
+    <a:masterClrMapping/>
+  </p:clrMapOvr>
+</p:sld>
+</file>
+
+<file path=ppt/slides/slide7.xml><?xml version="1.0" encoding="utf-8"?>
+<p:sld xmlns:a="http://schemas.openxmlformats.org/drawingml/2006/main" xmlns:r="http://schemas.openxmlformats.org/officeDocument/2006/relationships" xmlns:p="http://schemas.openxmlformats.org/presentationml/2006/main">
+  <p:cSld>
+    <p:spTree>
+      <p:nvGrpSpPr>
+        <p:cNvPr id="1" name=""/>
+        <p:cNvGrpSpPr/>
+        <p:nvPr/>
+      </p:nvGrpSpPr>
+      <p:grpSpPr>
+        <a:xfrm>
+          <a:off x="0" y="0"/>
+          <a:ext cx="0" cy="0"/>
+          <a:chOff x="0" y="0"/>
+          <a:chExt cx="0" cy="0"/>
+        </a:xfrm>
+      </p:grpSpPr>
+      <p:sp>
+        <p:nvSpPr>
+          <p:cNvPr id="2" name="タイトル 1"/>
+          <p:cNvSpPr>
+            <a:spLocks noGrp="1"/>
+          </p:cNvSpPr>
+          <p:nvPr>
+            <p:ph type="title"/>
+          </p:nvPr>
+        </p:nvSpPr>
+        <p:spPr/>
+        <p:txBody>
+          <a:bodyPr>
+            <a:normAutofit/>
+          </a:bodyPr>
+          <a:lstStyle/>
+          <a:p>
+            <a:r>
+              <a:rPr lang="ja-JP" altLang="en-US" dirty="0" smtClean="0"/>
+              <a:t>　</a:t>
+            </a:r>
+            <a:r>
+              <a:rPr lang="en-US" altLang="ja-JP" dirty="0" smtClean="0"/>
+              <a:t>C</a:t>
+            </a:r>
+            <a:r>
+              <a:rPr lang="ja-JP" altLang="en-US" dirty="0"/>
+              <a:t>言語</a:t>
+            </a:r>
+            <a:r>
+              <a:rPr lang="ja-JP" altLang="en-US"/>
+              <a:t>　★ ★ ☆</a:t>
+            </a:r>
+            <a:r>
+              <a:rPr lang="en-US" altLang="ja-JP" dirty="0" smtClean="0"/>
+              <a:t/>
+            </a:r>
+            <a:br>
+              <a:rPr lang="en-US" altLang="ja-JP" dirty="0" smtClean="0"/>
+            </a:br>
+            <a:r>
+              <a:rPr lang="ja-JP" altLang="en-US" dirty="0"/>
+              <a:t>　ファイル名</a:t>
+            </a:r>
+            <a:r>
+              <a:rPr lang="ja-JP" altLang="en-US" dirty="0" smtClean="0"/>
+              <a:t>：</a:t>
+            </a:r>
+            <a:r>
+              <a:rPr lang="en-US" altLang="ja-JP" dirty="0" smtClean="0"/>
+              <a:t>Array2.c</a:t>
+            </a:r>
+            <a:endParaRPr kumimoji="1" lang="ja-JP" altLang="en-US" dirty="0"/>
+          </a:p>
+        </p:txBody>
+      </p:sp>
+      <p:sp>
+        <p:nvSpPr>
+          <p:cNvPr id="3" name="コンテンツ プレースホルダー 2"/>
+          <p:cNvSpPr>
+            <a:spLocks noGrp="1"/>
+          </p:cNvSpPr>
+          <p:nvPr>
+            <p:ph idx="1"/>
+          </p:nvPr>
+        </p:nvSpPr>
+        <p:spPr/>
+        <p:txBody>
+          <a:bodyPr>
+            <a:normAutofit fontScale="85000" lnSpcReduction="20000"/>
+          </a:bodyPr>
+          <a:lstStyle/>
+          <a:p>
+            <a:r>
+              <a:rPr lang="ja-JP" altLang="en-US" dirty="0" smtClean="0"/>
+              <a:t> 初期値として</a:t>
+            </a:r>
+            <a:r>
+              <a:rPr lang="en-US" altLang="ja-JP" dirty="0" smtClean="0"/>
+              <a:t>1~10</a:t>
+            </a:r>
+            <a:r>
+              <a:rPr lang="ja-JP" altLang="en-US" dirty="0" err="1" smtClean="0"/>
+              <a:t>までの整</a:t>
+            </a:r>
+            <a:r>
+              <a:rPr lang="ja-JP" altLang="en-US" dirty="0" smtClean="0"/>
+              <a:t>数値を入れた配列を用意し</a:t>
+            </a:r>
+            <a:endParaRPr lang="en-US" altLang="ja-JP" dirty="0" smtClean="0"/>
+          </a:p>
+          <a:p>
+            <a:pPr marL="0" indent="0">
+              <a:buNone/>
+            </a:pPr>
+            <a:r>
+              <a:rPr lang="ja-JP" altLang="en-US" dirty="0"/>
+              <a:t>　</a:t>
+            </a:r>
+            <a:r>
+              <a:rPr lang="ja-JP" altLang="en-US" dirty="0" smtClean="0"/>
+              <a:t>その値をループ構文</a:t>
+            </a:r>
+            <a:r>
+              <a:rPr lang="en-US" altLang="ja-JP" dirty="0" smtClean="0"/>
+              <a:t>(</a:t>
+            </a:r>
+            <a:r>
+              <a:rPr lang="en-US" altLang="ja-JP" dirty="0" err="1" smtClean="0"/>
+              <a:t>for,do-while,while</a:t>
+            </a:r>
+            <a:r>
+              <a:rPr lang="en-US" altLang="ja-JP" dirty="0" smtClean="0"/>
+              <a:t>)</a:t>
+            </a:r>
+          </a:p>
+          <a:p>
+            <a:pPr marL="0" indent="0">
+              <a:buNone/>
+            </a:pPr>
+            <a:r>
+              <a:rPr lang="ja-JP" altLang="en-US" dirty="0"/>
+              <a:t>　</a:t>
+            </a:r>
+            <a:r>
+              <a:rPr lang="ja-JP" altLang="en-US" dirty="0" smtClean="0"/>
+              <a:t>を一切使用せずループを実現し表示しなさい。</a:t>
+            </a:r>
+            <a:endParaRPr lang="en-US" altLang="ja-JP" dirty="0" smtClean="0"/>
+          </a:p>
+          <a:p>
+            <a:pPr marL="0" indent="0">
+              <a:buNone/>
+            </a:pPr>
+            <a:r>
+              <a:rPr lang="ja-JP" altLang="en-US" dirty="0"/>
+              <a:t>　</a:t>
+            </a:r>
+            <a:endParaRPr kumimoji="1" lang="en-US" altLang="ja-JP" dirty="0"/>
+          </a:p>
+          <a:p>
+            <a:pPr marL="0" indent="0">
+              <a:buNone/>
+            </a:pPr>
+            <a:endParaRPr lang="en-US" altLang="ja-JP" dirty="0" smtClean="0"/>
+          </a:p>
+          <a:p>
+            <a:pPr marL="0" indent="0">
+              <a:buNone/>
+            </a:pPr>
+            <a:endParaRPr lang="en-US" altLang="ja-JP" dirty="0" smtClean="0"/>
+          </a:p>
+          <a:p>
+            <a:r>
+              <a:rPr lang="ja-JP" altLang="en-US" dirty="0"/>
+              <a:t>ルール</a:t>
+            </a:r>
+            <a:endParaRPr lang="en-US" altLang="ja-JP" dirty="0"/>
+          </a:p>
+          <a:p>
+            <a:pPr marL="0" indent="0">
+              <a:buNone/>
+            </a:pPr>
+            <a:r>
+              <a:rPr lang="ja-JP" altLang="en-US" dirty="0" smtClean="0"/>
+              <a:t>　</a:t>
+            </a:r>
+            <a:r>
+              <a:rPr lang="ja-JP" altLang="en-US" dirty="0"/>
+              <a:t>①チーム内での相談可</a:t>
+            </a:r>
+            <a:endParaRPr lang="en-US" altLang="ja-JP" dirty="0"/>
+          </a:p>
+          <a:p>
+            <a:pPr marL="0" indent="0">
+              <a:buNone/>
+            </a:pPr>
+            <a:r>
+              <a:rPr lang="ja-JP" altLang="en-US" dirty="0"/>
+              <a:t>　②ネットで調べるのも可</a:t>
+            </a:r>
+            <a:endParaRPr lang="en-US" altLang="ja-JP" dirty="0"/>
+          </a:p>
+          <a:p>
+            <a:pPr marL="0" indent="0">
+              <a:buNone/>
+            </a:pPr>
+            <a:r>
+              <a:rPr lang="ja-JP" altLang="en-US" dirty="0"/>
+              <a:t>　③答えを聞くのは</a:t>
+            </a:r>
+            <a:r>
+              <a:rPr lang="ja-JP" altLang="en-US" dirty="0" smtClean="0"/>
+              <a:t>禁止</a:t>
+            </a:r>
+            <a:endParaRPr lang="en-US" altLang="ja-JP" dirty="0" smtClean="0"/>
+          </a:p>
+          <a:p>
+            <a:pPr marL="0" indent="0">
+              <a:buNone/>
+            </a:pPr>
+            <a:r>
+              <a:rPr lang="ja-JP" altLang="en-US" dirty="0"/>
+              <a:t>　</a:t>
+            </a:r>
+            <a:r>
+              <a:rPr lang="ja-JP" altLang="en-US" dirty="0" smtClean="0"/>
+              <a:t>④</a:t>
+            </a:r>
+            <a:r>
+              <a:rPr lang="en-US" altLang="ja-JP" dirty="0" err="1" smtClean="0"/>
+              <a:t>goto</a:t>
+            </a:r>
+            <a:r>
+              <a:rPr lang="ja-JP" altLang="en-US" smtClean="0"/>
+              <a:t>文禁止</a:t>
+            </a:r>
+            <a:endParaRPr lang="en-US" altLang="ja-JP"/>
+          </a:p>
+          <a:p>
+            <a:pPr marL="0" indent="0">
+              <a:buNone/>
+            </a:pPr>
+            <a:endParaRPr kumimoji="1" lang="ja-JP" altLang="en-US" dirty="0"/>
+          </a:p>
+        </p:txBody>
+      </p:sp>
+      <p:pic>
+        <p:nvPicPr>
+          <p:cNvPr id="4" name="図 3"/>
+          <p:cNvPicPr>
+            <a:picLocks noChangeAspect="1"/>
+          </p:cNvPicPr>
+          <p:nvPr/>
+        </p:nvPicPr>
+        <p:blipFill>
+          <a:blip r:embed="rId2">
+            <a:extLst>
+              <a:ext uri="{28A0092B-C50C-407E-A947-70E740481C1C}">
+                <a14:useLocalDpi xmlns:a14="http://schemas.microsoft.com/office/drawing/2010/main" val="0"/>
+              </a:ext>
+            </a:extLst>
+          </a:blip>
+          <a:stretch>
+            <a:fillRect/>
+          </a:stretch>
+        </p:blipFill>
+        <p:spPr>
+          <a:xfrm>
+            <a:off x="6671153" y="3720284"/>
+            <a:ext cx="4076853" cy="1719257"/>
+          </a:xfrm>
+          <a:prstGeom prst="rect">
+            <a:avLst/>
+          </a:prstGeom>
+        </p:spPr>
+      </p:pic>
+      <p:sp>
+        <p:nvSpPr>
+          <p:cNvPr id="5" name="テキスト ボックス 4"/>
+          <p:cNvSpPr txBox="1"/>
+          <p:nvPr/>
+        </p:nvSpPr>
+        <p:spPr>
+          <a:xfrm>
+            <a:off x="6671153" y="3350952"/>
+            <a:ext cx="1338828" cy="369332"/>
+          </a:xfrm>
+          <a:prstGeom prst="rect">
+            <a:avLst/>
+          </a:prstGeom>
+          <a:noFill/>
+        </p:spPr>
+        <p:txBody>
+          <a:bodyPr wrap="none" rtlCol="0">
+            <a:spAutoFit/>
+          </a:bodyPr>
+          <a:lstStyle/>
+          <a:p>
+            <a:r>
+              <a:rPr kumimoji="1" lang="en-US" altLang="ja-JP" dirty="0" smtClean="0"/>
+              <a:t>※</a:t>
+            </a:r>
+            <a:r>
+              <a:rPr kumimoji="1" lang="ja-JP" altLang="en-US" dirty="0" smtClean="0"/>
+              <a:t>実行画面</a:t>
+            </a:r>
+            <a:endParaRPr kumimoji="1" lang="ja-JP" altLang="en-US" dirty="0"/>
+          </a:p>
+        </p:txBody>
+      </p:sp>
+    </p:spTree>
+    <p:extLst>
+      <p:ext uri="{BB962C8B-B14F-4D97-AF65-F5344CB8AC3E}">
+        <p14:creationId xmlns:p14="http://schemas.microsoft.com/office/powerpoint/2010/main" val="3289692815"/>
       </p:ext>
     </p:extLst>
   </p:cSld>

--- a/Master/No1.pptx
+++ b/Master/No1.pptx
@@ -12,6 +12,8 @@
     <p:sldId id="264" r:id="rId6"/>
     <p:sldId id="265" r:id="rId7"/>
     <p:sldId id="262" r:id="rId8"/>
+    <p:sldId id="266" r:id="rId9"/>
+    <p:sldId id="267" r:id="rId10"/>
   </p:sldIdLst>
   <p:sldSz cx="12192000" cy="6858000"/>
   <p:notesSz cx="6858000" cy="9144000"/>
@@ -249,7 +251,7 @@
           <a:p>
             <a:fld id="{3C4818E0-E7D1-405B-84F2-CE9AEB756A27}" type="datetimeFigureOut">
               <a:rPr kumimoji="1" lang="ja-JP" altLang="en-US" smtClean="0"/>
-              <a:t>2016/9/16</a:t>
+              <a:t>2016/9/18</a:t>
             </a:fld>
             <a:endParaRPr kumimoji="1" lang="ja-JP" altLang="en-US"/>
           </a:p>
@@ -451,7 +453,7 @@
           <a:p>
             <a:fld id="{3C4818E0-E7D1-405B-84F2-CE9AEB756A27}" type="datetimeFigureOut">
               <a:rPr kumimoji="1" lang="ja-JP" altLang="en-US" smtClean="0"/>
-              <a:t>2016/9/16</a:t>
+              <a:t>2016/9/18</a:t>
             </a:fld>
             <a:endParaRPr kumimoji="1" lang="ja-JP" altLang="en-US"/>
           </a:p>
@@ -663,7 +665,7 @@
           <a:p>
             <a:fld id="{3C4818E0-E7D1-405B-84F2-CE9AEB756A27}" type="datetimeFigureOut">
               <a:rPr kumimoji="1" lang="ja-JP" altLang="en-US" smtClean="0"/>
-              <a:t>2016/9/16</a:t>
+              <a:t>2016/9/18</a:t>
             </a:fld>
             <a:endParaRPr kumimoji="1" lang="ja-JP" altLang="en-US"/>
           </a:p>
@@ -865,7 +867,7 @@
           <a:p>
             <a:fld id="{3C4818E0-E7D1-405B-84F2-CE9AEB756A27}" type="datetimeFigureOut">
               <a:rPr kumimoji="1" lang="ja-JP" altLang="en-US" smtClean="0"/>
-              <a:t>2016/9/16</a:t>
+              <a:t>2016/9/18</a:t>
             </a:fld>
             <a:endParaRPr kumimoji="1" lang="ja-JP" altLang="en-US"/>
           </a:p>
@@ -1111,7 +1113,7 @@
           <a:p>
             <a:fld id="{3C4818E0-E7D1-405B-84F2-CE9AEB756A27}" type="datetimeFigureOut">
               <a:rPr kumimoji="1" lang="ja-JP" altLang="en-US" smtClean="0"/>
-              <a:t>2016/9/16</a:t>
+              <a:t>2016/9/18</a:t>
             </a:fld>
             <a:endParaRPr kumimoji="1" lang="ja-JP" altLang="en-US"/>
           </a:p>
@@ -1407,7 +1409,7 @@
           <a:p>
             <a:fld id="{3C4818E0-E7D1-405B-84F2-CE9AEB756A27}" type="datetimeFigureOut">
               <a:rPr kumimoji="1" lang="ja-JP" altLang="en-US" smtClean="0"/>
-              <a:t>2016/9/16</a:t>
+              <a:t>2016/9/18</a:t>
             </a:fld>
             <a:endParaRPr kumimoji="1" lang="ja-JP" altLang="en-US"/>
           </a:p>
@@ -1838,7 +1840,7 @@
           <a:p>
             <a:fld id="{3C4818E0-E7D1-405B-84F2-CE9AEB756A27}" type="datetimeFigureOut">
               <a:rPr kumimoji="1" lang="ja-JP" altLang="en-US" smtClean="0"/>
-              <a:t>2016/9/16</a:t>
+              <a:t>2016/9/18</a:t>
             </a:fld>
             <a:endParaRPr kumimoji="1" lang="ja-JP" altLang="en-US"/>
           </a:p>
@@ -1956,7 +1958,7 @@
           <a:p>
             <a:fld id="{3C4818E0-E7D1-405B-84F2-CE9AEB756A27}" type="datetimeFigureOut">
               <a:rPr kumimoji="1" lang="ja-JP" altLang="en-US" smtClean="0"/>
-              <a:t>2016/9/16</a:t>
+              <a:t>2016/9/18</a:t>
             </a:fld>
             <a:endParaRPr kumimoji="1" lang="ja-JP" altLang="en-US"/>
           </a:p>
@@ -2051,7 +2053,7 @@
           <a:p>
             <a:fld id="{3C4818E0-E7D1-405B-84F2-CE9AEB756A27}" type="datetimeFigureOut">
               <a:rPr kumimoji="1" lang="ja-JP" altLang="en-US" smtClean="0"/>
-              <a:t>2016/9/16</a:t>
+              <a:t>2016/9/18</a:t>
             </a:fld>
             <a:endParaRPr kumimoji="1" lang="ja-JP" altLang="en-US"/>
           </a:p>
@@ -2360,7 +2362,7 @@
           <a:p>
             <a:fld id="{3C4818E0-E7D1-405B-84F2-CE9AEB756A27}" type="datetimeFigureOut">
               <a:rPr kumimoji="1" lang="ja-JP" altLang="en-US" smtClean="0"/>
-              <a:t>2016/9/16</a:t>
+              <a:t>2016/9/18</a:t>
             </a:fld>
             <a:endParaRPr kumimoji="1" lang="ja-JP" altLang="en-US"/>
           </a:p>
@@ -2613,7 +2615,7 @@
           <a:p>
             <a:fld id="{3C4818E0-E7D1-405B-84F2-CE9AEB756A27}" type="datetimeFigureOut">
               <a:rPr kumimoji="1" lang="ja-JP" altLang="en-US" smtClean="0"/>
-              <a:t>2016/9/16</a:t>
+              <a:t>2016/9/18</a:t>
             </a:fld>
             <a:endParaRPr kumimoji="1" lang="ja-JP" altLang="en-US"/>
           </a:p>
@@ -2858,7 +2860,7 @@
           <a:p>
             <a:fld id="{3C4818E0-E7D1-405B-84F2-CE9AEB756A27}" type="datetimeFigureOut">
               <a:rPr kumimoji="1" lang="ja-JP" altLang="en-US" smtClean="0"/>
-              <a:t>2016/9/16</a:t>
+              <a:t>2016/9/18</a:t>
             </a:fld>
             <a:endParaRPr kumimoji="1" lang="ja-JP" altLang="en-US"/>
           </a:p>
@@ -5165,6 +5167,626 @@
 </p:sld>
 </file>
 
+<file path=ppt/slides/slide8.xml><?xml version="1.0" encoding="utf-8"?>
+<p:sld xmlns:a="http://schemas.openxmlformats.org/drawingml/2006/main" xmlns:r="http://schemas.openxmlformats.org/officeDocument/2006/relationships" xmlns:p="http://schemas.openxmlformats.org/presentationml/2006/main">
+  <p:cSld>
+    <p:spTree>
+      <p:nvGrpSpPr>
+        <p:cNvPr id="1" name=""/>
+        <p:cNvGrpSpPr/>
+        <p:nvPr/>
+      </p:nvGrpSpPr>
+      <p:grpSpPr>
+        <a:xfrm>
+          <a:off x="0" y="0"/>
+          <a:ext cx="0" cy="0"/>
+          <a:chOff x="0" y="0"/>
+          <a:chExt cx="0" cy="0"/>
+        </a:xfrm>
+      </p:grpSpPr>
+      <p:sp>
+        <p:nvSpPr>
+          <p:cNvPr id="2" name="タイトル 1"/>
+          <p:cNvSpPr>
+            <a:spLocks noGrp="1"/>
+          </p:cNvSpPr>
+          <p:nvPr>
+            <p:ph type="title"/>
+          </p:nvPr>
+        </p:nvSpPr>
+        <p:spPr/>
+        <p:txBody>
+          <a:bodyPr>
+            <a:normAutofit/>
+          </a:bodyPr>
+          <a:lstStyle/>
+          <a:p>
+            <a:r>
+              <a:rPr lang="ja-JP" altLang="en-US" dirty="0" smtClean="0"/>
+              <a:t>　</a:t>
+            </a:r>
+            <a:r>
+              <a:rPr lang="en-US" altLang="ja-JP" dirty="0" smtClean="0"/>
+              <a:t>C</a:t>
+            </a:r>
+            <a:r>
+              <a:rPr lang="ja-JP" altLang="en-US" dirty="0"/>
+              <a:t>言語　</a:t>
+            </a:r>
+            <a:r>
+              <a:rPr lang="ja-JP" altLang="en-US" dirty="0" smtClean="0"/>
+              <a:t>★☆☆</a:t>
+            </a:r>
+            <a:r>
+              <a:rPr lang="en-US" altLang="ja-JP" dirty="0" smtClean="0"/>
+              <a:t/>
+            </a:r>
+            <a:br>
+              <a:rPr lang="en-US" altLang="ja-JP" dirty="0" smtClean="0"/>
+            </a:br>
+            <a:r>
+              <a:rPr lang="ja-JP" altLang="en-US" dirty="0"/>
+              <a:t>　ファイル名</a:t>
+            </a:r>
+            <a:r>
+              <a:rPr lang="ja-JP" altLang="en-US" dirty="0" smtClean="0"/>
+              <a:t>：</a:t>
+            </a:r>
+            <a:r>
+              <a:rPr lang="en-US" altLang="ja-JP" smtClean="0"/>
+              <a:t>Function2.c</a:t>
+            </a:r>
+            <a:endParaRPr kumimoji="1" lang="ja-JP" altLang="en-US" dirty="0"/>
+          </a:p>
+        </p:txBody>
+      </p:sp>
+      <p:sp>
+        <p:nvSpPr>
+          <p:cNvPr id="3" name="コンテンツ プレースホルダー 2"/>
+          <p:cNvSpPr>
+            <a:spLocks noGrp="1"/>
+          </p:cNvSpPr>
+          <p:nvPr>
+            <p:ph idx="1"/>
+          </p:nvPr>
+        </p:nvSpPr>
+        <p:spPr/>
+        <p:txBody>
+          <a:bodyPr>
+            <a:normAutofit fontScale="92500" lnSpcReduction="20000"/>
+          </a:bodyPr>
+          <a:lstStyle/>
+          <a:p>
+            <a:r>
+              <a:rPr lang="ja-JP" altLang="en-US" dirty="0" smtClean="0"/>
+              <a:t>整数値型変数を用意し、整数値型を</a:t>
+            </a:r>
+            <a:r>
+              <a:rPr lang="ja-JP" altLang="en-US" dirty="0"/>
+              <a:t>戻り値</a:t>
+            </a:r>
+            <a:r>
+              <a:rPr lang="ja-JP" altLang="en-US" dirty="0" smtClean="0"/>
+              <a:t>とする関数を作成する。</a:t>
+            </a:r>
+            <a:endParaRPr lang="en-US" altLang="ja-JP" dirty="0" smtClean="0"/>
+          </a:p>
+          <a:p>
+            <a:pPr marL="0" indent="0">
+              <a:buNone/>
+            </a:pPr>
+            <a:r>
+              <a:rPr lang="ja-JP" altLang="en-US" dirty="0"/>
+              <a:t>　</a:t>
+            </a:r>
+            <a:r>
+              <a:rPr lang="en-US" altLang="ja-JP" dirty="0" smtClean="0"/>
+              <a:t>main</a:t>
+            </a:r>
+            <a:r>
+              <a:rPr lang="ja-JP" altLang="en-US" dirty="0" smtClean="0"/>
+              <a:t>関数側で関数を呼び出し、最初に用意した整数値型変数</a:t>
+            </a:r>
+            <a:endParaRPr lang="en-US" altLang="ja-JP" dirty="0" smtClean="0"/>
+          </a:p>
+          <a:p>
+            <a:pPr marL="0" indent="0">
+              <a:buNone/>
+            </a:pPr>
+            <a:r>
+              <a:rPr lang="ja-JP" altLang="en-US" dirty="0"/>
+              <a:t>　</a:t>
+            </a:r>
+            <a:r>
+              <a:rPr lang="ja-JP" altLang="en-US" dirty="0" smtClean="0"/>
+              <a:t>に対して戻り値を代入する。</a:t>
+            </a:r>
+            <a:endParaRPr lang="en-US" altLang="ja-JP" dirty="0" smtClean="0"/>
+          </a:p>
+          <a:p>
+            <a:pPr marL="0" indent="0">
+              <a:buNone/>
+            </a:pPr>
+            <a:r>
+              <a:rPr lang="ja-JP" altLang="en-US" dirty="0" smtClean="0"/>
+              <a:t>　</a:t>
+            </a:r>
+            <a:r>
+              <a:rPr lang="en-US" altLang="ja-JP" dirty="0" smtClean="0"/>
+              <a:t>main</a:t>
+            </a:r>
+            <a:r>
+              <a:rPr lang="ja-JP" altLang="en-US" dirty="0" smtClean="0"/>
+              <a:t>関数側で整数値型変数に</a:t>
+            </a:r>
+            <a:r>
+              <a:rPr lang="en-US" altLang="ja-JP" dirty="0" smtClean="0"/>
+              <a:t>10</a:t>
+            </a:r>
+            <a:r>
+              <a:rPr lang="ja-JP" altLang="en-US" dirty="0" smtClean="0"/>
+              <a:t>が入っているか確認する。</a:t>
+            </a:r>
+            <a:endParaRPr lang="en-US" altLang="ja-JP" dirty="0" smtClean="0"/>
+          </a:p>
+          <a:p>
+            <a:pPr marL="0" indent="0">
+              <a:buNone/>
+            </a:pPr>
+            <a:endParaRPr lang="en-US" altLang="ja-JP" dirty="0" smtClean="0"/>
+          </a:p>
+          <a:p>
+            <a:r>
+              <a:rPr lang="ja-JP" altLang="en-US" dirty="0" smtClean="0"/>
+              <a:t>ルール</a:t>
+            </a:r>
+            <a:endParaRPr lang="en-US" altLang="ja-JP" dirty="0" smtClean="0"/>
+          </a:p>
+          <a:p>
+            <a:pPr marL="0" indent="0">
+              <a:buNone/>
+            </a:pPr>
+            <a:r>
+              <a:rPr lang="ja-JP" altLang="en-US" dirty="0" smtClean="0"/>
+              <a:t>　①チーム内での相談可</a:t>
+            </a:r>
+            <a:endParaRPr lang="en-US" altLang="ja-JP" dirty="0" smtClean="0"/>
+          </a:p>
+          <a:p>
+            <a:pPr marL="0" indent="0">
+              <a:buNone/>
+            </a:pPr>
+            <a:r>
+              <a:rPr lang="ja-JP" altLang="en-US" dirty="0" smtClean="0"/>
+              <a:t>　②ネットで調べるのも可</a:t>
+            </a:r>
+            <a:endParaRPr lang="en-US" altLang="ja-JP" dirty="0"/>
+          </a:p>
+          <a:p>
+            <a:pPr marL="0" indent="0">
+              <a:buNone/>
+            </a:pPr>
+            <a:r>
+              <a:rPr lang="ja-JP" altLang="en-US" dirty="0" smtClean="0"/>
+              <a:t>　③答えを聞くのは禁止</a:t>
+            </a:r>
+            <a:endParaRPr lang="en-US" altLang="ja-JP" dirty="0" smtClean="0"/>
+          </a:p>
+          <a:p>
+            <a:pPr marL="0" indent="0">
+              <a:buNone/>
+            </a:pPr>
+            <a:r>
+              <a:rPr kumimoji="1" lang="ja-JP" altLang="en-US" dirty="0" smtClean="0"/>
+              <a:t>　④グローバル変数禁止</a:t>
+            </a:r>
+            <a:endParaRPr kumimoji="1" lang="ja-JP" altLang="en-US" dirty="0"/>
+          </a:p>
+        </p:txBody>
+      </p:sp>
+      <p:sp>
+        <p:nvSpPr>
+          <p:cNvPr id="5" name="テキスト ボックス 4"/>
+          <p:cNvSpPr txBox="1"/>
+          <p:nvPr/>
+        </p:nvSpPr>
+        <p:spPr>
+          <a:xfrm>
+            <a:off x="6671153" y="3959382"/>
+            <a:ext cx="1338828" cy="369332"/>
+          </a:xfrm>
+          <a:prstGeom prst="rect">
+            <a:avLst/>
+          </a:prstGeom>
+          <a:noFill/>
+        </p:spPr>
+        <p:txBody>
+          <a:bodyPr wrap="none" rtlCol="0">
+            <a:spAutoFit/>
+          </a:bodyPr>
+          <a:lstStyle/>
+          <a:p>
+            <a:r>
+              <a:rPr kumimoji="1" lang="en-US" altLang="ja-JP" dirty="0" smtClean="0"/>
+              <a:t>※</a:t>
+            </a:r>
+            <a:r>
+              <a:rPr kumimoji="1" lang="ja-JP" altLang="en-US" dirty="0" smtClean="0"/>
+              <a:t>実行画面</a:t>
+            </a:r>
+            <a:endParaRPr kumimoji="1" lang="ja-JP" altLang="en-US" dirty="0"/>
+          </a:p>
+        </p:txBody>
+      </p:sp>
+      <p:pic>
+        <p:nvPicPr>
+          <p:cNvPr id="6" name="図 5"/>
+          <p:cNvPicPr>
+            <a:picLocks noChangeAspect="1"/>
+          </p:cNvPicPr>
+          <p:nvPr/>
+        </p:nvPicPr>
+        <p:blipFill>
+          <a:blip r:embed="rId2">
+            <a:extLst>
+              <a:ext uri="{28A0092B-C50C-407E-A947-70E740481C1C}">
+                <a14:useLocalDpi xmlns:a14="http://schemas.microsoft.com/office/drawing/2010/main" val="0"/>
+              </a:ext>
+            </a:extLst>
+          </a:blip>
+          <a:stretch>
+            <a:fillRect/>
+          </a:stretch>
+        </p:blipFill>
+        <p:spPr>
+          <a:xfrm>
+            <a:off x="6671153" y="4318784"/>
+            <a:ext cx="5290649" cy="1259679"/>
+          </a:xfrm>
+          <a:prstGeom prst="rect">
+            <a:avLst/>
+          </a:prstGeom>
+        </p:spPr>
+      </p:pic>
+    </p:spTree>
+    <p:extLst>
+      <p:ext uri="{BB962C8B-B14F-4D97-AF65-F5344CB8AC3E}">
+        <p14:creationId xmlns:p14="http://schemas.microsoft.com/office/powerpoint/2010/main" val="476617203"/>
+      </p:ext>
+    </p:extLst>
+  </p:cSld>
+  <p:clrMapOvr>
+    <a:masterClrMapping/>
+  </p:clrMapOvr>
+</p:sld>
+</file>
+
+<file path=ppt/slides/slide9.xml><?xml version="1.0" encoding="utf-8"?>
+<p:sld xmlns:a="http://schemas.openxmlformats.org/drawingml/2006/main" xmlns:r="http://schemas.openxmlformats.org/officeDocument/2006/relationships" xmlns:p="http://schemas.openxmlformats.org/presentationml/2006/main">
+  <p:cSld>
+    <p:spTree>
+      <p:nvGrpSpPr>
+        <p:cNvPr id="1" name=""/>
+        <p:cNvGrpSpPr/>
+        <p:nvPr/>
+      </p:nvGrpSpPr>
+      <p:grpSpPr>
+        <a:xfrm>
+          <a:off x="0" y="0"/>
+          <a:ext cx="0" cy="0"/>
+          <a:chOff x="0" y="0"/>
+          <a:chExt cx="0" cy="0"/>
+        </a:xfrm>
+      </p:grpSpPr>
+      <p:sp>
+        <p:nvSpPr>
+          <p:cNvPr id="2" name="タイトル 1"/>
+          <p:cNvSpPr>
+            <a:spLocks noGrp="1"/>
+          </p:cNvSpPr>
+          <p:nvPr>
+            <p:ph type="title"/>
+          </p:nvPr>
+        </p:nvSpPr>
+        <p:spPr/>
+        <p:txBody>
+          <a:bodyPr>
+            <a:normAutofit/>
+          </a:bodyPr>
+          <a:lstStyle/>
+          <a:p>
+            <a:r>
+              <a:rPr lang="ja-JP" altLang="en-US" dirty="0" smtClean="0"/>
+              <a:t>　</a:t>
+            </a:r>
+            <a:r>
+              <a:rPr lang="en-US" altLang="ja-JP" dirty="0" smtClean="0"/>
+              <a:t>C</a:t>
+            </a:r>
+            <a:r>
+              <a:rPr lang="ja-JP" altLang="en-US" dirty="0"/>
+              <a:t>言語　</a:t>
+            </a:r>
+            <a:r>
+              <a:rPr lang="ja-JP" altLang="en-US" dirty="0" smtClean="0"/>
+              <a:t>★</a:t>
+            </a:r>
+            <a:r>
+              <a:rPr lang="ja-JP" altLang="en-US" dirty="0"/>
+              <a:t>★</a:t>
+            </a:r>
+            <a:r>
+              <a:rPr lang="ja-JP" altLang="en-US" dirty="0" smtClean="0"/>
+              <a:t>☆</a:t>
+            </a:r>
+            <a:r>
+              <a:rPr lang="en-US" altLang="ja-JP" dirty="0" smtClean="0"/>
+              <a:t/>
+            </a:r>
+            <a:br>
+              <a:rPr lang="en-US" altLang="ja-JP" dirty="0" smtClean="0"/>
+            </a:br>
+            <a:r>
+              <a:rPr lang="ja-JP" altLang="en-US" dirty="0"/>
+              <a:t>　ファイル名</a:t>
+            </a:r>
+            <a:r>
+              <a:rPr lang="ja-JP" altLang="en-US" dirty="0" smtClean="0"/>
+              <a:t>：</a:t>
+            </a:r>
+            <a:r>
+              <a:rPr lang="en-US" altLang="ja-JP" dirty="0" smtClean="0"/>
+              <a:t>Chara3.c</a:t>
+            </a:r>
+            <a:endParaRPr kumimoji="1" lang="ja-JP" altLang="en-US" dirty="0"/>
+          </a:p>
+        </p:txBody>
+      </p:sp>
+      <p:sp>
+        <p:nvSpPr>
+          <p:cNvPr id="3" name="コンテンツ プレースホルダー 2"/>
+          <p:cNvSpPr>
+            <a:spLocks noGrp="1"/>
+          </p:cNvSpPr>
+          <p:nvPr>
+            <p:ph idx="1"/>
+          </p:nvPr>
+        </p:nvSpPr>
+        <p:spPr/>
+        <p:txBody>
+          <a:bodyPr>
+            <a:normAutofit fontScale="85000" lnSpcReduction="20000"/>
+          </a:bodyPr>
+          <a:lstStyle/>
+          <a:p>
+            <a:r>
+              <a:rPr lang="en-US" altLang="ja-JP" dirty="0" smtClean="0"/>
+              <a:t>Chara1.c</a:t>
+            </a:r>
+            <a:r>
+              <a:rPr lang="ja-JP" altLang="en-US" dirty="0" smtClean="0"/>
+              <a:t>で作成した構造体型オブジェクトと構造体型を</a:t>
+            </a:r>
+            <a:endParaRPr lang="en-US" altLang="ja-JP" dirty="0" smtClean="0"/>
+          </a:p>
+          <a:p>
+            <a:pPr marL="0" indent="0">
+              <a:buNone/>
+            </a:pPr>
+            <a:r>
+              <a:rPr lang="ja-JP" altLang="en-US" dirty="0"/>
+              <a:t>　</a:t>
+            </a:r>
+            <a:r>
+              <a:rPr lang="ja-JP" altLang="en-US" dirty="0" smtClean="0"/>
+              <a:t>返り値とする関数を作成する。</a:t>
+            </a:r>
+            <a:endParaRPr lang="en-US" altLang="ja-JP" dirty="0" smtClean="0"/>
+          </a:p>
+          <a:p>
+            <a:pPr marL="0" indent="0">
+              <a:buNone/>
+            </a:pPr>
+            <a:r>
+              <a:rPr lang="ja-JP" altLang="en-US" dirty="0"/>
+              <a:t>　</a:t>
+            </a:r>
+            <a:r>
+              <a:rPr lang="ja-JP" altLang="en-US" dirty="0" smtClean="0"/>
+              <a:t>関数の返り値を使って初期化し</a:t>
+            </a:r>
+            <a:r>
+              <a:rPr lang="en-US" altLang="ja-JP" dirty="0" smtClean="0"/>
+              <a:t>main</a:t>
+            </a:r>
+            <a:r>
+              <a:rPr lang="ja-JP" altLang="en-US" dirty="0" smtClean="0"/>
+              <a:t>関数側でデータをすべてを表示し、</a:t>
+            </a:r>
+            <a:endParaRPr lang="en-US" altLang="ja-JP" dirty="0" smtClean="0"/>
+          </a:p>
+          <a:p>
+            <a:pPr marL="0" indent="0">
+              <a:buNone/>
+            </a:pPr>
+            <a:r>
+              <a:rPr lang="en-US" altLang="ja-JP" dirty="0"/>
+              <a:t> </a:t>
+            </a:r>
+            <a:r>
+              <a:rPr lang="en-US" altLang="ja-JP" dirty="0" smtClean="0"/>
+              <a:t>  </a:t>
+            </a:r>
+            <a:r>
+              <a:rPr lang="ja-JP" altLang="en-US" dirty="0" smtClean="0"/>
+              <a:t>初期化されているか確認をする。</a:t>
+            </a:r>
+            <a:endParaRPr lang="en-US" altLang="ja-JP" dirty="0" smtClean="0"/>
+          </a:p>
+          <a:p>
+            <a:pPr marL="0" indent="0">
+              <a:buNone/>
+            </a:pPr>
+            <a:endParaRPr lang="en-US" altLang="ja-JP" dirty="0"/>
+          </a:p>
+          <a:p>
+            <a:pPr marL="0" indent="0">
+              <a:buNone/>
+            </a:pPr>
+            <a:endParaRPr lang="en-US" altLang="ja-JP" dirty="0" smtClean="0"/>
+          </a:p>
+          <a:p>
+            <a:r>
+              <a:rPr lang="ja-JP" altLang="en-US" dirty="0" smtClean="0"/>
+              <a:t>ルール</a:t>
+            </a:r>
+            <a:endParaRPr lang="en-US" altLang="ja-JP" dirty="0" smtClean="0"/>
+          </a:p>
+          <a:p>
+            <a:pPr marL="0" indent="0">
+              <a:buNone/>
+            </a:pPr>
+            <a:r>
+              <a:rPr lang="ja-JP" altLang="en-US" dirty="0" smtClean="0"/>
+              <a:t>　①チーム内での相談可</a:t>
+            </a:r>
+            <a:endParaRPr lang="en-US" altLang="ja-JP" dirty="0" smtClean="0"/>
+          </a:p>
+          <a:p>
+            <a:pPr marL="0" indent="0">
+              <a:buNone/>
+            </a:pPr>
+            <a:r>
+              <a:rPr lang="ja-JP" altLang="en-US" dirty="0" smtClean="0"/>
+              <a:t>　②ネットで調べるのも可</a:t>
+            </a:r>
+            <a:endParaRPr lang="en-US" altLang="ja-JP" dirty="0" smtClean="0"/>
+          </a:p>
+          <a:p>
+            <a:pPr marL="0" indent="0">
+              <a:buNone/>
+            </a:pPr>
+            <a:r>
+              <a:rPr lang="ja-JP" altLang="en-US" dirty="0"/>
+              <a:t>　</a:t>
+            </a:r>
+            <a:r>
+              <a:rPr lang="ja-JP" altLang="en-US" dirty="0" smtClean="0"/>
+              <a:t>③答えを聞くのは禁止</a:t>
+            </a:r>
+            <a:endParaRPr lang="en-US" altLang="ja-JP" dirty="0" smtClean="0"/>
+          </a:p>
+          <a:p>
+            <a:pPr marL="0" indent="0">
+              <a:buNone/>
+            </a:pPr>
+            <a:r>
+              <a:rPr lang="ja-JP" altLang="en-US" dirty="0"/>
+              <a:t>　④グローバル</a:t>
+            </a:r>
+            <a:r>
+              <a:rPr lang="ja-JP" altLang="en-US" dirty="0" smtClean="0"/>
+              <a:t>変数禁止</a:t>
+            </a:r>
+            <a:endParaRPr lang="en-US" altLang="ja-JP" dirty="0" smtClean="0"/>
+          </a:p>
+          <a:p>
+            <a:pPr marL="0" indent="0">
+              <a:buNone/>
+            </a:pPr>
+            <a:endParaRPr lang="ja-JP" altLang="en-US" dirty="0"/>
+          </a:p>
+          <a:p>
+            <a:pPr marL="0" indent="0">
+              <a:buNone/>
+            </a:pPr>
+            <a:endParaRPr lang="en-US" altLang="ja-JP" dirty="0" smtClean="0"/>
+          </a:p>
+          <a:p>
+            <a:pPr marL="0" indent="0">
+              <a:buNone/>
+            </a:pPr>
+            <a:endParaRPr kumimoji="1" lang="ja-JP" altLang="en-US" dirty="0"/>
+          </a:p>
+        </p:txBody>
+      </p:sp>
+      <p:sp>
+        <p:nvSpPr>
+          <p:cNvPr id="5" name="テキスト ボックス 4"/>
+          <p:cNvSpPr txBox="1"/>
+          <p:nvPr/>
+        </p:nvSpPr>
+        <p:spPr>
+          <a:xfrm>
+            <a:off x="5721583" y="3157178"/>
+            <a:ext cx="1338828" cy="369332"/>
+          </a:xfrm>
+          <a:prstGeom prst="rect">
+            <a:avLst/>
+          </a:prstGeom>
+          <a:noFill/>
+        </p:spPr>
+        <p:txBody>
+          <a:bodyPr wrap="none" rtlCol="0">
+            <a:spAutoFit/>
+          </a:bodyPr>
+          <a:lstStyle/>
+          <a:p>
+            <a:r>
+              <a:rPr kumimoji="1" lang="en-US" altLang="ja-JP" dirty="0" smtClean="0"/>
+              <a:t>※</a:t>
+            </a:r>
+            <a:r>
+              <a:rPr kumimoji="1" lang="ja-JP" altLang="en-US" dirty="0" smtClean="0"/>
+              <a:t>実行画面</a:t>
+            </a:r>
+            <a:endParaRPr kumimoji="1" lang="ja-JP" altLang="en-US" dirty="0"/>
+          </a:p>
+        </p:txBody>
+      </p:sp>
+      <p:pic>
+        <p:nvPicPr>
+          <p:cNvPr id="4" name="図 3"/>
+          <p:cNvPicPr>
+            <a:picLocks noChangeAspect="1"/>
+          </p:cNvPicPr>
+          <p:nvPr/>
+        </p:nvPicPr>
+        <p:blipFill>
+          <a:blip r:embed="rId2">
+            <a:extLst>
+              <a:ext uri="{28A0092B-C50C-407E-A947-70E740481C1C}">
+                <a14:useLocalDpi xmlns:a14="http://schemas.microsoft.com/office/drawing/2010/main" val="0"/>
+              </a:ext>
+            </a:extLst>
+          </a:blip>
+          <a:stretch>
+            <a:fillRect/>
+          </a:stretch>
+        </p:blipFill>
+        <p:spPr>
+          <a:xfrm>
+            <a:off x="5721583" y="3526510"/>
+            <a:ext cx="4810587" cy="1238921"/>
+          </a:xfrm>
+          <a:prstGeom prst="rect">
+            <a:avLst/>
+          </a:prstGeom>
+        </p:spPr>
+      </p:pic>
+    </p:spTree>
+    <p:extLst>
+      <p:ext uri="{BB962C8B-B14F-4D97-AF65-F5344CB8AC3E}">
+        <p14:creationId xmlns:p14="http://schemas.microsoft.com/office/powerpoint/2010/main" val="680310344"/>
+      </p:ext>
+    </p:extLst>
+  </p:cSld>
+  <p:clrMapOvr>
+    <a:masterClrMapping/>
+  </p:clrMapOvr>
+</p:sld>
+</file>
+
 <file path=ppt/theme/theme1.xml><?xml version="1.0" encoding="utf-8"?>
 <a:theme xmlns:a="http://schemas.openxmlformats.org/drawingml/2006/main" name="Office テーマ">
   <a:themeElements>
